--- a/curso/modulo2capitulo3.pptx
+++ b/curso/modulo2capitulo3.pptx
@@ -514,7 +514,7 @@
             <a:fld id="{DC997751-B773-4FFE-B439-10C23787B14F}" type="datetimeFigureOut">
               <a:rPr lang="pt-BR" smtClean="0"/>
               <a:pPr/>
-              <a:t>10/9/2015</a:t>
+              <a:t>21/9/2015</a:t>
             </a:fld>
             <a:endParaRPr lang="pt-BR"/>
           </a:p>
@@ -681,7 +681,7 @@
             <a:fld id="{DC997751-B773-4FFE-B439-10C23787B14F}" type="datetimeFigureOut">
               <a:rPr lang="pt-BR" smtClean="0"/>
               <a:pPr/>
-              <a:t>10/9/2015</a:t>
+              <a:t>21/9/2015</a:t>
             </a:fld>
             <a:endParaRPr lang="pt-BR"/>
           </a:p>
@@ -858,7 +858,7 @@
             <a:fld id="{DC997751-B773-4FFE-B439-10C23787B14F}" type="datetimeFigureOut">
               <a:rPr lang="pt-BR" smtClean="0"/>
               <a:pPr/>
-              <a:t>10/9/2015</a:t>
+              <a:t>21/9/2015</a:t>
             </a:fld>
             <a:endParaRPr lang="pt-BR"/>
           </a:p>
@@ -1029,7 +1029,7 @@
             <a:fld id="{DC997751-B773-4FFE-B439-10C23787B14F}" type="datetimeFigureOut">
               <a:rPr lang="pt-BR" smtClean="0"/>
               <a:pPr/>
-              <a:t>10/9/2015</a:t>
+              <a:t>21/9/2015</a:t>
             </a:fld>
             <a:endParaRPr lang="pt-BR"/>
           </a:p>
@@ -1486,7 +1486,7 @@
             <a:fld id="{DC997751-B773-4FFE-B439-10C23787B14F}" type="datetimeFigureOut">
               <a:rPr lang="pt-BR" smtClean="0"/>
               <a:pPr/>
-              <a:t>10/9/2015</a:t>
+              <a:t>21/9/2015</a:t>
             </a:fld>
             <a:endParaRPr lang="pt-BR"/>
           </a:p>
@@ -1752,7 +1752,7 @@
             <a:fld id="{DC997751-B773-4FFE-B439-10C23787B14F}" type="datetimeFigureOut">
               <a:rPr lang="pt-BR" smtClean="0"/>
               <a:pPr/>
-              <a:t>10/9/2015</a:t>
+              <a:t>21/9/2015</a:t>
             </a:fld>
             <a:endParaRPr lang="pt-BR"/>
           </a:p>
@@ -2128,7 +2128,7 @@
             <a:fld id="{DC997751-B773-4FFE-B439-10C23787B14F}" type="datetimeFigureOut">
               <a:rPr lang="pt-BR" smtClean="0"/>
               <a:pPr/>
-              <a:t>10/9/2015</a:t>
+              <a:t>21/9/2015</a:t>
             </a:fld>
             <a:endParaRPr lang="pt-BR"/>
           </a:p>
@@ -2252,7 +2252,7 @@
             <a:fld id="{DC997751-B773-4FFE-B439-10C23787B14F}" type="datetimeFigureOut">
               <a:rPr lang="pt-BR" smtClean="0"/>
               <a:pPr/>
-              <a:t>10/9/2015</a:t>
+              <a:t>21/9/2015</a:t>
             </a:fld>
             <a:endParaRPr lang="pt-BR"/>
           </a:p>
@@ -2344,7 +2344,7 @@
             <a:fld id="{DC997751-B773-4FFE-B439-10C23787B14F}" type="datetimeFigureOut">
               <a:rPr lang="pt-BR" smtClean="0"/>
               <a:pPr/>
-              <a:t>10/9/2015</a:t>
+              <a:t>21/9/2015</a:t>
             </a:fld>
             <a:endParaRPr lang="pt-BR"/>
           </a:p>
@@ -2595,7 +2595,7 @@
             <a:fld id="{DC997751-B773-4FFE-B439-10C23787B14F}" type="datetimeFigureOut">
               <a:rPr lang="pt-BR" smtClean="0"/>
               <a:pPr/>
-              <a:t>10/9/2015</a:t>
+              <a:t>21/9/2015</a:t>
             </a:fld>
             <a:endParaRPr lang="pt-BR"/>
           </a:p>
@@ -2856,7 +2856,7 @@
             <a:fld id="{DC997751-B773-4FFE-B439-10C23787B14F}" type="datetimeFigureOut">
               <a:rPr lang="pt-BR" smtClean="0"/>
               <a:pPr/>
-              <a:t>10/9/2015</a:t>
+              <a:t>21/9/2015</a:t>
             </a:fld>
             <a:endParaRPr lang="pt-BR"/>
           </a:p>
@@ -3262,7 +3262,7 @@
             <a:fld id="{DC997751-B773-4FFE-B439-10C23787B14F}" type="datetimeFigureOut">
               <a:rPr lang="pt-BR" smtClean="0"/>
               <a:pPr/>
-              <a:t>10/9/2015</a:t>
+              <a:t>21/9/2015</a:t>
             </a:fld>
             <a:endParaRPr lang="pt-BR"/>
           </a:p>
@@ -4589,15 +4589,7 @@
             </a:r>
             <a:r>
               <a:rPr lang="pt-BR" dirty="0" err="1" smtClean="0"/>
-              <a:t>Comma</a:t>
-            </a:r>
-            <a:r>
-              <a:rPr lang="pt-BR" dirty="0" err="1" smtClean="0"/>
-              <a:t>-</a:t>
-            </a:r>
-            <a:r>
-              <a:rPr lang="pt-BR" dirty="0" err="1" smtClean="0"/>
-              <a:t>Separated</a:t>
+              <a:t>Comma-Separated</a:t>
             </a:r>
             <a:r>
               <a:rPr lang="pt-BR" dirty="0" smtClean="0"/>
@@ -4948,19 +4940,7 @@
           <a:p>
             <a:r>
               <a:rPr lang="pt-BR" dirty="0" smtClean="0"/>
-              <a:t>Para </a:t>
-            </a:r>
-            <a:r>
-              <a:rPr lang="pt-BR" dirty="0" smtClean="0"/>
-              <a:t>escrita de arquivos </a:t>
-            </a:r>
-            <a:r>
-              <a:rPr lang="pt-BR" dirty="0" smtClean="0"/>
-              <a:t>binários, </a:t>
-            </a:r>
-            <a:r>
-              <a:rPr lang="pt-BR" dirty="0" smtClean="0"/>
-              <a:t>usa-se a classe </a:t>
+              <a:t>Para escrita de arquivos binários, usa-se a classe </a:t>
             </a:r>
             <a:r>
               <a:rPr lang="pt-BR" dirty="0" smtClean="0">
@@ -4987,19 +4967,7 @@
           <a:p>
             <a:r>
               <a:rPr lang="pt-BR" dirty="0" smtClean="0"/>
-              <a:t>Essa classe é usada para criar arquivos e também adicionar </a:t>
-            </a:r>
-            <a:r>
-              <a:rPr lang="pt-BR" dirty="0" smtClean="0"/>
-              <a:t>dados </a:t>
-            </a:r>
-            <a:r>
-              <a:rPr lang="pt-BR" dirty="0" smtClean="0"/>
-              <a:t>a arquivos </a:t>
-            </a:r>
-            <a:r>
-              <a:rPr lang="pt-BR" dirty="0" smtClean="0"/>
-              <a:t>existentes</a:t>
+              <a:t>Essa classe é usada para criar arquivos e também adicionar dados a arquivos existentes</a:t>
             </a:r>
           </a:p>
           <a:p>
@@ -5357,11 +5325,7 @@
           <a:p>
             <a:r>
               <a:rPr lang="pt-BR" dirty="0" smtClean="0"/>
-              <a:t>Codificações de </a:t>
-            </a:r>
-            <a:r>
-              <a:rPr lang="pt-BR" dirty="0" smtClean="0"/>
-              <a:t>Caracteres</a:t>
+              <a:t>Codificações de Caracteres</a:t>
             </a:r>
           </a:p>
           <a:p>
@@ -5369,25 +5333,23 @@
               <a:rPr lang="pt-BR" dirty="0" smtClean="0"/>
               <a:t>Arquivos CSV</a:t>
             </a:r>
+          </a:p>
+          <a:p>
+            <a:r>
+              <a:rPr lang="pt-BR" dirty="0" smtClean="0"/>
+              <a:t>Arquivos Binários</a:t>
+            </a:r>
+          </a:p>
+          <a:p>
+            <a:r>
+              <a:rPr lang="pt-BR" dirty="0" smtClean="0"/>
+              <a:t>Explorador de </a:t>
+            </a:r>
+            <a:r>
+              <a:rPr lang="pt-BR" dirty="0" smtClean="0"/>
+              <a:t>Arquivos</a:t>
+            </a:r>
             <a:endParaRPr lang="pt-BR" dirty="0" smtClean="0"/>
-          </a:p>
-          <a:p>
-            <a:r>
-              <a:rPr lang="pt-BR" dirty="0" smtClean="0"/>
-              <a:t>Arquivos Binários</a:t>
-            </a:r>
-          </a:p>
-          <a:p>
-            <a:r>
-              <a:rPr lang="pt-BR" dirty="0" smtClean="0"/>
-              <a:t>Explorador de Arquivos</a:t>
-            </a:r>
-          </a:p>
-          <a:p>
-            <a:r>
-              <a:rPr lang="pt-BR" dirty="0" smtClean="0"/>
-              <a:t>Arquivos de Configuração</a:t>
-            </a:r>
           </a:p>
         </p:txBody>
       </p:sp>
